--- a/презентация.pptx
+++ b/презентация.pptx
@@ -3429,7 +3429,7 @@
           </a:bodyPr>
           <a:lstStyle/>
           <a:p>
-            <a:pPr marL="12700">
+            <a:pPr marL="12700" algn="just">
               <a:lnSpc>
                 <a:spcPct val="100000"/>
               </a:lnSpc>
@@ -4250,7 +4250,7 @@
           </a:bodyPr>
           <a:lstStyle/>
           <a:p>
-            <a:pPr marL="12700">
+            <a:pPr marL="12700" algn="just">
               <a:lnSpc>
                 <a:spcPct val="100000"/>
               </a:lnSpc>
@@ -4289,7 +4289,7 @@
             </a:endParaRPr>
           </a:p>
           <a:p>
-            <a:pPr marL="680720" marR="5080" indent="-285750">
+            <a:pPr marL="680720" marR="5080" indent="-285750" algn="just">
               <a:lnSpc>
                 <a:spcPct val="100000"/>
               </a:lnSpc>
@@ -4631,7 +4631,7 @@
             </a:endParaRPr>
           </a:p>
           <a:p>
-            <a:pPr marL="680720" marR="5080" indent="-285750">
+            <a:pPr marL="680720" marR="5080" indent="-285750" algn="just">
               <a:lnSpc>
                 <a:spcPct val="100000"/>
               </a:lnSpc>
@@ -4973,7 +4973,7 @@
             </a:endParaRPr>
           </a:p>
           <a:p>
-            <a:pPr marL="680720" marR="5080" indent="-285750">
+            <a:pPr marL="680720" marR="5080" indent="-285750" algn="just">
               <a:lnSpc>
                 <a:spcPct val="100000"/>
               </a:lnSpc>
@@ -5415,7 +5415,7 @@
             </a:endParaRPr>
           </a:p>
           <a:p>
-            <a:pPr marL="680720" marR="5080" indent="-285750">
+            <a:pPr marL="680720" marR="5080" indent="-285750" algn="just">
               <a:lnSpc>
                 <a:spcPct val="100000"/>
               </a:lnSpc>
@@ -5797,7 +5797,7 @@
             </a:endParaRPr>
           </a:p>
           <a:p>
-            <a:pPr marL="680720" marR="5080" indent="-285750">
+            <a:pPr marL="680720" marR="5080" indent="-285750" algn="just">
               <a:lnSpc>
                 <a:spcPct val="100000"/>
               </a:lnSpc>
@@ -6179,7 +6179,7 @@
             </a:endParaRPr>
           </a:p>
           <a:p>
-            <a:pPr marL="680720" marR="5080" indent="-285750">
+            <a:pPr marL="680720" marR="5080" indent="-285750" algn="just">
               <a:lnSpc>
                 <a:spcPct val="100000"/>
               </a:lnSpc>
@@ -6535,7 +6535,7 @@
         </p:nvSpPr>
         <p:spPr>
           <a:xfrm>
-            <a:off x="2198623" y="1291209"/>
+            <a:off x="2210053" y="305054"/>
             <a:ext cx="6343650" cy="289560"/>
           </a:xfrm>
           <a:prstGeom prst="rect">
@@ -6594,14 +6594,51 @@
         </p:blipFill>
         <p:spPr>
           <a:xfrm>
-            <a:off x="2209800" y="1938020"/>
-            <a:ext cx="8057515" cy="4530725"/>
+            <a:off x="2209800" y="2057400"/>
+            <a:ext cx="7569200" cy="4256405"/>
+          </a:xfrm>
+          <a:prstGeom prst="rect">
+            <a:avLst/>
+          </a:prstGeom>
+          <a:ln>
+            <a:solidFill>
+              <a:schemeClr val="tx1"/>
+            </a:solidFill>
+          </a:ln>
+        </p:spPr>
+      </p:pic>
+      <p:sp>
+        <p:nvSpPr>
+          <p:cNvPr id="3" name="Текстовое поле 2"/>
+          <p:cNvSpPr txBox="1"/>
+          <p:nvPr/>
+        </p:nvSpPr>
+        <p:spPr>
+          <a:xfrm>
+            <a:off x="2209800" y="739140"/>
+            <a:ext cx="9773285" cy="1198880"/>
           </a:xfrm>
           <a:prstGeom prst="rect">
             <a:avLst/>
           </a:prstGeom>
         </p:spPr>
-      </p:pic>
+        <p:txBody>
+          <a:bodyPr wrap="square">
+            <a:spAutoFit/>
+          </a:bodyPr>
+          <a:p>
+            <a:pPr algn="just"/>
+            <a:r>
+              <a:rPr lang="en-US" altLang="zh-CN" sz="1800">
+                <a:latin typeface="Times New Roman" panose="02020603050405020304" charset="0"/>
+                <a:cs typeface="Times New Roman" panose="02020603050405020304" charset="0"/>
+              </a:rPr>
+              <a:t>Интерфейс включает логотип, боковое меню с навигацией по разделам, переключатель темы и строку поиска. На странице отображаются персональные подборки, популярные исполнители с изображениями и жанрами. Внизу расположен аудиоплеер с базовым управлением. Дизайн адаптивный и соответствует требованиям современного музыкального сервиса.</a:t>
+            </a:r>
+            <a:endParaRPr lang="en-US" altLang="zh-CN" sz="1600"/>
+          </a:p>
+        </p:txBody>
+      </p:sp>
     </p:spTree>
   </p:cSld>
   <p:clrMapOvr>
@@ -6635,7 +6672,7 @@
         </p:nvSpPr>
         <p:spPr>
           <a:xfrm>
-            <a:off x="2198623" y="1291209"/>
+            <a:off x="2198623" y="305054"/>
             <a:ext cx="6343650" cy="289560"/>
           </a:xfrm>
           <a:prstGeom prst="rect">
@@ -6694,14 +6731,57 @@
         </p:blipFill>
         <p:spPr>
           <a:xfrm>
-            <a:off x="2198370" y="1938020"/>
-            <a:ext cx="8067040" cy="4535805"/>
+            <a:off x="2133600" y="2057400"/>
+            <a:ext cx="7395845" cy="4158615"/>
+          </a:xfrm>
+          <a:prstGeom prst="rect">
+            <a:avLst/>
+          </a:prstGeom>
+          <a:ln>
+            <a:solidFill>
+              <a:schemeClr val="tx1"/>
+            </a:solidFill>
+          </a:ln>
+        </p:spPr>
+      </p:pic>
+      <p:sp>
+        <p:nvSpPr>
+          <p:cNvPr id="3" name="Текстовое поле 2"/>
+          <p:cNvSpPr txBox="1"/>
+          <p:nvPr/>
+        </p:nvSpPr>
+        <p:spPr>
+          <a:xfrm>
+            <a:off x="2198370" y="762000"/>
+            <a:ext cx="9780270" cy="1445260"/>
           </a:xfrm>
           <a:prstGeom prst="rect">
             <a:avLst/>
           </a:prstGeom>
         </p:spPr>
-      </p:pic>
+        <p:txBody>
+          <a:bodyPr wrap="square">
+            <a:spAutoFit/>
+          </a:bodyPr>
+          <a:p>
+            <a:pPr algn="just"/>
+            <a:r>
+              <a:rPr lang="en-US" altLang="zh-CN" sz="1800">
+                <a:latin typeface="Times New Roman" panose="02020603050405020304" charset="0"/>
+                <a:cs typeface="Times New Roman" panose="02020603050405020304" charset="0"/>
+              </a:rPr>
+              <a:t>На странице отображаются треки, альбомы и исполнители, добавленные пользователем в избранное. Элементы представлены в виде карточек с изображениями, названиями и дополнительной информацией. Интерфейс адаптивен, обеспечивает удобную навигацию и поддерживает смену темы оформления.</a:t>
+            </a:r>
+            <a:endParaRPr lang="en-US" altLang="zh-CN" sz="1800">
+              <a:latin typeface="Times New Roman" panose="02020603050405020304" charset="0"/>
+              <a:cs typeface="Times New Roman" panose="02020603050405020304" charset="0"/>
+            </a:endParaRPr>
+          </a:p>
+          <a:p>
+            <a:endParaRPr lang="en-US" altLang="zh-CN" sz="1600"/>
+          </a:p>
+        </p:txBody>
+      </p:sp>
     </p:spTree>
   </p:cSld>
   <p:clrMapOvr>
@@ -6735,7 +6815,7 @@
         </p:nvSpPr>
         <p:spPr>
           <a:xfrm>
-            <a:off x="2198623" y="1291209"/>
+            <a:off x="2198623" y="381254"/>
             <a:ext cx="6343650" cy="289560"/>
           </a:xfrm>
           <a:prstGeom prst="rect">
@@ -6794,14 +6874,53 @@
         </p:blipFill>
         <p:spPr>
           <a:xfrm>
-            <a:off x="2198370" y="1938020"/>
-            <a:ext cx="7593330" cy="4269740"/>
+            <a:off x="2198370" y="1947545"/>
+            <a:ext cx="7364730" cy="4141470"/>
+          </a:xfrm>
+          <a:prstGeom prst="rect">
+            <a:avLst/>
+          </a:prstGeom>
+          <a:ln>
+            <a:solidFill>
+              <a:schemeClr val="tx1"/>
+            </a:solidFill>
+          </a:ln>
+        </p:spPr>
+      </p:pic>
+      <p:sp>
+        <p:nvSpPr>
+          <p:cNvPr id="3" name="Текстовое поле 2"/>
+          <p:cNvSpPr txBox="1"/>
+          <p:nvPr/>
+        </p:nvSpPr>
+        <p:spPr>
+          <a:xfrm>
+            <a:off x="2198370" y="838200"/>
+            <a:ext cx="9871710" cy="922020"/>
           </a:xfrm>
           <a:prstGeom prst="rect">
             <a:avLst/>
           </a:prstGeom>
         </p:spPr>
-      </p:pic>
+        <p:txBody>
+          <a:bodyPr wrap="square">
+            <a:spAutoFit/>
+          </a:bodyPr>
+          <a:p>
+            <a:r>
+              <a:rPr lang="en-US" altLang="zh-CN" sz="1800">
+                <a:latin typeface="Times New Roman" panose="02020603050405020304" charset="0"/>
+                <a:cs typeface="Times New Roman" panose="02020603050405020304" charset="0"/>
+              </a:rPr>
+              <a:t>Раздел позволяет пользователю отслеживать музыкальные предпочтения и активность. Отображаются диаграммы с топ-жанрами, графики прослушиваний по дням недели и за месяц, а также список любимых исполнителей. Все данные визуализированы в удобной форме. </a:t>
+            </a:r>
+            <a:endParaRPr lang="en-US" altLang="zh-CN" sz="1800">
+              <a:latin typeface="Times New Roman" panose="02020603050405020304" charset="0"/>
+              <a:cs typeface="Times New Roman" panose="02020603050405020304" charset="0"/>
+            </a:endParaRPr>
+          </a:p>
+        </p:txBody>
+      </p:sp>
     </p:spTree>
   </p:cSld>
   <p:clrMapOvr>
@@ -6835,7 +6954,7 @@
         </p:nvSpPr>
         <p:spPr>
           <a:xfrm>
-            <a:off x="2198623" y="1291209"/>
+            <a:off x="2198623" y="305054"/>
             <a:ext cx="6343650" cy="289560"/>
           </a:xfrm>
           <a:prstGeom prst="rect">
@@ -6894,14 +7013,559 @@
         </p:blipFill>
         <p:spPr>
           <a:xfrm>
-            <a:off x="2198370" y="1981200"/>
+            <a:off x="2209800" y="2209800"/>
             <a:ext cx="7610475" cy="4279265"/>
           </a:xfrm>
           <a:prstGeom prst="rect">
             <a:avLst/>
           </a:prstGeom>
+          <a:ln>
+            <a:solidFill>
+              <a:schemeClr val="tx1"/>
+            </a:solidFill>
+          </a:ln>
         </p:spPr>
       </p:pic>
+      <p:sp>
+        <p:nvSpPr>
+          <p:cNvPr id="3" name="Текстовое поле 2"/>
+          <p:cNvSpPr txBox="1"/>
+          <p:nvPr/>
+        </p:nvSpPr>
+        <p:spPr>
+          <a:xfrm>
+            <a:off x="2198370" y="762000"/>
+            <a:ext cx="9599930" cy="2030095"/>
+          </a:xfrm>
+          <a:prstGeom prst="rect">
+            <a:avLst/>
+          </a:prstGeom>
+          <a:noFill/>
+        </p:spPr>
+        <p:txBody>
+          <a:bodyPr wrap="square" rtlCol="0">
+            <a:spAutoFit/>
+          </a:bodyPr>
+          <a:p>
+            <a:pPr algn="just"/>
+            <a:r>
+              <a:rPr lang="en-US" altLang="en-US">
+                <a:latin typeface="Times New Roman" panose="02020603050405020304" charset="0"/>
+                <a:cs typeface="Times New Roman" panose="02020603050405020304" charset="0"/>
+              </a:rPr>
+              <a:t>Пользователь</a:t>
+            </a:r>
+            <a:r>
+              <a:rPr lang="en-US" altLang="ru-RU">
+                <a:latin typeface="Times New Roman" panose="02020603050405020304" charset="0"/>
+                <a:cs typeface="Times New Roman" panose="02020603050405020304" charset="0"/>
+              </a:rPr>
+              <a:t> </a:t>
+            </a:r>
+            <a:r>
+              <a:rPr lang="en-US" altLang="en-US">
+                <a:latin typeface="Times New Roman" panose="02020603050405020304" charset="0"/>
+                <a:cs typeface="Times New Roman" panose="02020603050405020304" charset="0"/>
+              </a:rPr>
+              <a:t>может</a:t>
+            </a:r>
+            <a:r>
+              <a:rPr lang="en-US" altLang="ru-RU">
+                <a:latin typeface="Times New Roman" panose="02020603050405020304" charset="0"/>
+                <a:cs typeface="Times New Roman" panose="02020603050405020304" charset="0"/>
+              </a:rPr>
+              <a:t> </a:t>
+            </a:r>
+            <a:r>
+              <a:rPr lang="en-US" altLang="en-US">
+                <a:latin typeface="Times New Roman" panose="02020603050405020304" charset="0"/>
+                <a:cs typeface="Times New Roman" panose="02020603050405020304" charset="0"/>
+              </a:rPr>
+              <a:t>войти</a:t>
+            </a:r>
+            <a:r>
+              <a:rPr lang="en-US" altLang="ru-RU">
+                <a:latin typeface="Times New Roman" panose="02020603050405020304" charset="0"/>
+                <a:cs typeface="Times New Roman" panose="02020603050405020304" charset="0"/>
+              </a:rPr>
+              <a:t> </a:t>
+            </a:r>
+            <a:r>
+              <a:rPr lang="en-US" altLang="en-US">
+                <a:latin typeface="Times New Roman" panose="02020603050405020304" charset="0"/>
+                <a:cs typeface="Times New Roman" panose="02020603050405020304" charset="0"/>
+              </a:rPr>
+              <a:t>в</a:t>
+            </a:r>
+            <a:r>
+              <a:rPr lang="en-US" altLang="ru-RU">
+                <a:latin typeface="Times New Roman" panose="02020603050405020304" charset="0"/>
+                <a:cs typeface="Times New Roman" panose="02020603050405020304" charset="0"/>
+              </a:rPr>
+              <a:t> </a:t>
+            </a:r>
+            <a:r>
+              <a:rPr lang="en-US" altLang="en-US">
+                <a:latin typeface="Times New Roman" panose="02020603050405020304" charset="0"/>
+                <a:cs typeface="Times New Roman" panose="02020603050405020304" charset="0"/>
+              </a:rPr>
+              <a:t>аккаунт</a:t>
+            </a:r>
+            <a:r>
+              <a:rPr lang="en-US" altLang="ru-RU">
+                <a:latin typeface="Times New Roman" panose="02020603050405020304" charset="0"/>
+                <a:cs typeface="Times New Roman" panose="02020603050405020304" charset="0"/>
+              </a:rPr>
+              <a:t> </a:t>
+            </a:r>
+            <a:r>
+              <a:rPr lang="en-US" altLang="en-US">
+                <a:latin typeface="Times New Roman" panose="02020603050405020304" charset="0"/>
+                <a:cs typeface="Times New Roman" panose="02020603050405020304" charset="0"/>
+              </a:rPr>
+              <a:t>с</a:t>
+            </a:r>
+            <a:r>
+              <a:rPr lang="en-US" altLang="ru-RU">
+                <a:latin typeface="Times New Roman" panose="02020603050405020304" charset="0"/>
+                <a:cs typeface="Times New Roman" panose="02020603050405020304" charset="0"/>
+              </a:rPr>
+              <a:t> </a:t>
+            </a:r>
+            <a:r>
+              <a:rPr lang="en-US" altLang="en-US">
+                <a:latin typeface="Times New Roman" panose="02020603050405020304" charset="0"/>
+                <a:cs typeface="Times New Roman" panose="02020603050405020304" charset="0"/>
+              </a:rPr>
+              <a:t>помощью</a:t>
+            </a:r>
+            <a:r>
+              <a:rPr lang="en-US" altLang="ru-RU">
+                <a:latin typeface="Times New Roman" panose="02020603050405020304" charset="0"/>
+                <a:cs typeface="Times New Roman" panose="02020603050405020304" charset="0"/>
+              </a:rPr>
+              <a:t> </a:t>
+            </a:r>
+            <a:r>
+              <a:rPr lang="en-US" altLang="en-US">
+                <a:latin typeface="Times New Roman" panose="02020603050405020304" charset="0"/>
+                <a:cs typeface="Times New Roman" panose="02020603050405020304" charset="0"/>
+              </a:rPr>
+              <a:t>логина</a:t>
+            </a:r>
+            <a:r>
+              <a:rPr lang="en-US" altLang="ru-RU">
+                <a:latin typeface="Times New Roman" panose="02020603050405020304" charset="0"/>
+                <a:cs typeface="Times New Roman" panose="02020603050405020304" charset="0"/>
+              </a:rPr>
+              <a:t> </a:t>
+            </a:r>
+            <a:r>
+              <a:rPr lang="en-US" altLang="en-US">
+                <a:latin typeface="Times New Roman" panose="02020603050405020304" charset="0"/>
+                <a:cs typeface="Times New Roman" panose="02020603050405020304" charset="0"/>
+              </a:rPr>
+              <a:t>и</a:t>
+            </a:r>
+            <a:r>
+              <a:rPr lang="en-US" altLang="ru-RU">
+                <a:latin typeface="Times New Roman" panose="02020603050405020304" charset="0"/>
+                <a:cs typeface="Times New Roman" panose="02020603050405020304" charset="0"/>
+              </a:rPr>
+              <a:t> </a:t>
+            </a:r>
+            <a:r>
+              <a:rPr lang="en-US" altLang="en-US">
+                <a:latin typeface="Times New Roman" panose="02020603050405020304" charset="0"/>
+                <a:cs typeface="Times New Roman" panose="02020603050405020304" charset="0"/>
+              </a:rPr>
+              <a:t>пароля</a:t>
+            </a:r>
+            <a:r>
+              <a:rPr lang="en-US" altLang="ru-RU">
+                <a:latin typeface="Times New Roman" panose="02020603050405020304" charset="0"/>
+                <a:cs typeface="Times New Roman" panose="02020603050405020304" charset="0"/>
+              </a:rPr>
+              <a:t>. </a:t>
+            </a:r>
+            <a:r>
+              <a:rPr lang="en-US" altLang="en-US">
+                <a:latin typeface="Times New Roman" panose="02020603050405020304" charset="0"/>
+                <a:cs typeface="Times New Roman" panose="02020603050405020304" charset="0"/>
+              </a:rPr>
+              <a:t>Форма</a:t>
+            </a:r>
+            <a:r>
+              <a:rPr lang="en-US" altLang="ru-RU">
+                <a:latin typeface="Times New Roman" panose="02020603050405020304" charset="0"/>
+                <a:cs typeface="Times New Roman" panose="02020603050405020304" charset="0"/>
+              </a:rPr>
+              <a:t> </a:t>
+            </a:r>
+            <a:r>
+              <a:rPr lang="en-US" altLang="en-US">
+                <a:latin typeface="Times New Roman" panose="02020603050405020304" charset="0"/>
+                <a:cs typeface="Times New Roman" panose="02020603050405020304" charset="0"/>
+              </a:rPr>
+              <a:t>включает</a:t>
+            </a:r>
+            <a:r>
+              <a:rPr lang="en-US" altLang="ru-RU">
+                <a:latin typeface="Times New Roman" panose="02020603050405020304" charset="0"/>
+                <a:cs typeface="Times New Roman" panose="02020603050405020304" charset="0"/>
+              </a:rPr>
+              <a:t> </a:t>
+            </a:r>
+            <a:r>
+              <a:rPr lang="en-US" altLang="en-US">
+                <a:latin typeface="Times New Roman" panose="02020603050405020304" charset="0"/>
+                <a:cs typeface="Times New Roman" panose="02020603050405020304" charset="0"/>
+              </a:rPr>
+              <a:t>поля</a:t>
+            </a:r>
+            <a:r>
+              <a:rPr lang="en-US" altLang="ru-RU">
+                <a:latin typeface="Times New Roman" panose="02020603050405020304" charset="0"/>
+                <a:cs typeface="Times New Roman" panose="02020603050405020304" charset="0"/>
+              </a:rPr>
+              <a:t> </a:t>
+            </a:r>
+            <a:r>
+              <a:rPr lang="en-US" altLang="en-US">
+                <a:latin typeface="Times New Roman" panose="02020603050405020304" charset="0"/>
+                <a:cs typeface="Times New Roman" panose="02020603050405020304" charset="0"/>
+              </a:rPr>
+              <a:t>ввода</a:t>
+            </a:r>
+            <a:r>
+              <a:rPr lang="en-US" altLang="ru-RU">
+                <a:latin typeface="Times New Roman" panose="02020603050405020304" charset="0"/>
+                <a:cs typeface="Times New Roman" panose="02020603050405020304" charset="0"/>
+              </a:rPr>
+              <a:t>, </a:t>
+            </a:r>
+            <a:r>
+              <a:rPr lang="en-US" altLang="en-US">
+                <a:latin typeface="Times New Roman" panose="02020603050405020304" charset="0"/>
+                <a:cs typeface="Times New Roman" panose="02020603050405020304" charset="0"/>
+              </a:rPr>
+              <a:t>кнопку</a:t>
+            </a:r>
+            <a:r>
+              <a:rPr lang="en-US" altLang="ru-RU">
+                <a:latin typeface="Times New Roman" panose="02020603050405020304" charset="0"/>
+                <a:cs typeface="Times New Roman" panose="02020603050405020304" charset="0"/>
+              </a:rPr>
+              <a:t> </a:t>
+            </a:r>
+            <a:r>
+              <a:rPr lang="en-US" altLang="en-US">
+                <a:latin typeface="Times New Roman" panose="02020603050405020304" charset="0"/>
+                <a:cs typeface="Times New Roman" panose="02020603050405020304" charset="0"/>
+              </a:rPr>
+              <a:t>входа</a:t>
+            </a:r>
+            <a:r>
+              <a:rPr lang="en-US" altLang="ru-RU">
+                <a:latin typeface="Times New Roman" panose="02020603050405020304" charset="0"/>
+                <a:cs typeface="Times New Roman" panose="02020603050405020304" charset="0"/>
+              </a:rPr>
+              <a:t> </a:t>
+            </a:r>
+            <a:r>
+              <a:rPr lang="en-US" altLang="en-US">
+                <a:latin typeface="Times New Roman" panose="02020603050405020304" charset="0"/>
+                <a:cs typeface="Times New Roman" panose="02020603050405020304" charset="0"/>
+              </a:rPr>
+              <a:t>и</a:t>
+            </a:r>
+            <a:r>
+              <a:rPr lang="en-US" altLang="ru-RU">
+                <a:latin typeface="Times New Roman" panose="02020603050405020304" charset="0"/>
+                <a:cs typeface="Times New Roman" panose="02020603050405020304" charset="0"/>
+              </a:rPr>
+              <a:t> </a:t>
+            </a:r>
+            <a:r>
+              <a:rPr lang="en-US" altLang="en-US">
+                <a:latin typeface="Times New Roman" panose="02020603050405020304" charset="0"/>
+                <a:cs typeface="Times New Roman" panose="02020603050405020304" charset="0"/>
+              </a:rPr>
+              <a:t>ссылку</a:t>
+            </a:r>
+            <a:r>
+              <a:rPr lang="en-US" altLang="ru-RU">
+                <a:latin typeface="Times New Roman" panose="02020603050405020304" charset="0"/>
+                <a:cs typeface="Times New Roman" panose="02020603050405020304" charset="0"/>
+              </a:rPr>
+              <a:t> </a:t>
+            </a:r>
+            <a:r>
+              <a:rPr lang="en-US" altLang="en-US">
+                <a:latin typeface="Times New Roman" panose="02020603050405020304" charset="0"/>
+                <a:cs typeface="Times New Roman" panose="02020603050405020304" charset="0"/>
+              </a:rPr>
+              <a:t>для</a:t>
+            </a:r>
+            <a:r>
+              <a:rPr lang="en-US" altLang="ru-RU">
+                <a:latin typeface="Times New Roman" panose="02020603050405020304" charset="0"/>
+                <a:cs typeface="Times New Roman" panose="02020603050405020304" charset="0"/>
+              </a:rPr>
+              <a:t> </a:t>
+            </a:r>
+            <a:r>
+              <a:rPr lang="en-US" altLang="en-US">
+                <a:latin typeface="Times New Roman" panose="02020603050405020304" charset="0"/>
+                <a:cs typeface="Times New Roman" panose="02020603050405020304" charset="0"/>
+              </a:rPr>
+              <a:t>восстановления</a:t>
+            </a:r>
+            <a:r>
+              <a:rPr lang="en-US" altLang="ru-RU">
+                <a:latin typeface="Times New Roman" panose="02020603050405020304" charset="0"/>
+                <a:cs typeface="Times New Roman" panose="02020603050405020304" charset="0"/>
+              </a:rPr>
+              <a:t> </a:t>
+            </a:r>
+            <a:r>
+              <a:rPr lang="en-US" altLang="en-US">
+                <a:latin typeface="Times New Roman" panose="02020603050405020304" charset="0"/>
+                <a:cs typeface="Times New Roman" panose="02020603050405020304" charset="0"/>
+              </a:rPr>
+              <a:t>доступа</a:t>
+            </a:r>
+            <a:r>
+              <a:rPr lang="en-US" altLang="ru-RU">
+                <a:latin typeface="Times New Roman" panose="02020603050405020304" charset="0"/>
+                <a:cs typeface="Times New Roman" panose="02020603050405020304" charset="0"/>
+              </a:rPr>
+              <a:t>. </a:t>
+            </a:r>
+            <a:r>
+              <a:rPr lang="en-US" altLang="en-US">
+                <a:latin typeface="Times New Roman" panose="02020603050405020304" charset="0"/>
+                <a:cs typeface="Times New Roman" panose="02020603050405020304" charset="0"/>
+              </a:rPr>
+              <a:t>Интерфейс</a:t>
+            </a:r>
+            <a:r>
+              <a:rPr lang="en-US" altLang="ru-RU">
+                <a:latin typeface="Times New Roman" panose="02020603050405020304" charset="0"/>
+                <a:cs typeface="Times New Roman" panose="02020603050405020304" charset="0"/>
+              </a:rPr>
+              <a:t> </a:t>
+            </a:r>
+            <a:r>
+              <a:rPr lang="en-US" altLang="en-US">
+                <a:latin typeface="Times New Roman" panose="02020603050405020304" charset="0"/>
+                <a:cs typeface="Times New Roman" panose="02020603050405020304" charset="0"/>
+              </a:rPr>
+              <a:t>минималистичен</a:t>
+            </a:r>
+            <a:r>
+              <a:rPr lang="en-US" altLang="ru-RU">
+                <a:latin typeface="Times New Roman" panose="02020603050405020304" charset="0"/>
+                <a:cs typeface="Times New Roman" panose="02020603050405020304" charset="0"/>
+              </a:rPr>
+              <a:t>, </a:t>
+            </a:r>
+            <a:r>
+              <a:rPr lang="en-US" altLang="en-US">
+                <a:latin typeface="Times New Roman" panose="02020603050405020304" charset="0"/>
+                <a:cs typeface="Times New Roman" panose="02020603050405020304" charset="0"/>
+              </a:rPr>
+              <a:t>поддерживает</a:t>
+            </a:r>
+            <a:r>
+              <a:rPr lang="en-US" altLang="ru-RU">
+                <a:latin typeface="Times New Roman" panose="02020603050405020304" charset="0"/>
+                <a:cs typeface="Times New Roman" panose="02020603050405020304" charset="0"/>
+              </a:rPr>
+              <a:t> </a:t>
+            </a:r>
+            <a:r>
+              <a:rPr lang="en-US" altLang="en-US">
+                <a:latin typeface="Times New Roman" panose="02020603050405020304" charset="0"/>
+                <a:cs typeface="Times New Roman" panose="02020603050405020304" charset="0"/>
+              </a:rPr>
+              <a:t>смену</a:t>
+            </a:r>
+            <a:r>
+              <a:rPr lang="en-US" altLang="ru-RU">
+                <a:latin typeface="Times New Roman" panose="02020603050405020304" charset="0"/>
+                <a:cs typeface="Times New Roman" panose="02020603050405020304" charset="0"/>
+              </a:rPr>
+              <a:t> </a:t>
+            </a:r>
+            <a:r>
+              <a:rPr lang="en-US" altLang="en-US">
+                <a:latin typeface="Times New Roman" panose="02020603050405020304" charset="0"/>
+                <a:cs typeface="Times New Roman" panose="02020603050405020304" charset="0"/>
+              </a:rPr>
+              <a:t>темы</a:t>
+            </a:r>
+            <a:r>
+              <a:rPr lang="en-US" altLang="ru-RU">
+                <a:latin typeface="Times New Roman" panose="02020603050405020304" charset="0"/>
+                <a:cs typeface="Times New Roman" panose="02020603050405020304" charset="0"/>
+              </a:rPr>
+              <a:t> </a:t>
+            </a:r>
+            <a:r>
+              <a:rPr lang="en-US" altLang="en-US">
+                <a:latin typeface="Times New Roman" panose="02020603050405020304" charset="0"/>
+                <a:cs typeface="Times New Roman" panose="02020603050405020304" charset="0"/>
+              </a:rPr>
+              <a:t>и</a:t>
+            </a:r>
+            <a:r>
+              <a:rPr lang="en-US" altLang="ru-RU">
+                <a:latin typeface="Times New Roman" panose="02020603050405020304" charset="0"/>
+                <a:cs typeface="Times New Roman" panose="02020603050405020304" charset="0"/>
+              </a:rPr>
+              <a:t> </a:t>
+            </a:r>
+            <a:r>
+              <a:rPr lang="en-US" altLang="en-US">
+                <a:latin typeface="Times New Roman" panose="02020603050405020304" charset="0"/>
+                <a:cs typeface="Times New Roman" panose="02020603050405020304" charset="0"/>
+              </a:rPr>
+              <a:t>адаптируется</a:t>
+            </a:r>
+            <a:r>
+              <a:rPr lang="en-US" altLang="ru-RU">
+                <a:latin typeface="Times New Roman" panose="02020603050405020304" charset="0"/>
+                <a:cs typeface="Times New Roman" panose="02020603050405020304" charset="0"/>
+              </a:rPr>
+              <a:t> </a:t>
+            </a:r>
+            <a:r>
+              <a:rPr lang="en-US" altLang="en-US">
+                <a:latin typeface="Times New Roman" panose="02020603050405020304" charset="0"/>
+                <a:cs typeface="Times New Roman" panose="02020603050405020304" charset="0"/>
+              </a:rPr>
+              <a:t>под</a:t>
+            </a:r>
+            <a:r>
+              <a:rPr lang="en-US" altLang="ru-RU">
+                <a:latin typeface="Times New Roman" panose="02020603050405020304" charset="0"/>
+                <a:cs typeface="Times New Roman" panose="02020603050405020304" charset="0"/>
+              </a:rPr>
+              <a:t> </a:t>
+            </a:r>
+            <a:r>
+              <a:rPr lang="en-US" altLang="en-US">
+                <a:latin typeface="Times New Roman" panose="02020603050405020304" charset="0"/>
+                <a:cs typeface="Times New Roman" panose="02020603050405020304" charset="0"/>
+              </a:rPr>
+              <a:t>разные</a:t>
+            </a:r>
+            <a:r>
+              <a:rPr lang="en-US" altLang="ru-RU">
+                <a:latin typeface="Times New Roman" panose="02020603050405020304" charset="0"/>
+                <a:cs typeface="Times New Roman" panose="02020603050405020304" charset="0"/>
+              </a:rPr>
+              <a:t> </a:t>
+            </a:r>
+            <a:r>
+              <a:rPr lang="en-US" altLang="en-US">
+                <a:latin typeface="Times New Roman" panose="02020603050405020304" charset="0"/>
+                <a:cs typeface="Times New Roman" panose="02020603050405020304" charset="0"/>
+              </a:rPr>
+              <a:t>устройства</a:t>
+            </a:r>
+            <a:r>
+              <a:rPr lang="en-US" altLang="ru-RU">
+                <a:latin typeface="Times New Roman" panose="02020603050405020304" charset="0"/>
+                <a:cs typeface="Times New Roman" panose="02020603050405020304" charset="0"/>
+              </a:rPr>
+              <a:t>. </a:t>
+            </a:r>
+            <a:r>
+              <a:rPr lang="en-US" altLang="en-US">
+                <a:latin typeface="Times New Roman" panose="02020603050405020304" charset="0"/>
+                <a:cs typeface="Times New Roman" panose="02020603050405020304" charset="0"/>
+              </a:rPr>
+              <a:t>Предусмотрена</a:t>
+            </a:r>
+            <a:r>
+              <a:rPr lang="en-US" altLang="ru-RU">
+                <a:latin typeface="Times New Roman" panose="02020603050405020304" charset="0"/>
+                <a:cs typeface="Times New Roman" panose="02020603050405020304" charset="0"/>
+              </a:rPr>
+              <a:t> </a:t>
+            </a:r>
+            <a:r>
+              <a:rPr lang="en-US" altLang="en-US">
+                <a:latin typeface="Times New Roman" panose="02020603050405020304" charset="0"/>
+                <a:cs typeface="Times New Roman" panose="02020603050405020304" charset="0"/>
+              </a:rPr>
+              <a:t>базовая</a:t>
+            </a:r>
+            <a:r>
+              <a:rPr lang="en-US" altLang="ru-RU">
+                <a:latin typeface="Times New Roman" panose="02020603050405020304" charset="0"/>
+                <a:cs typeface="Times New Roman" panose="02020603050405020304" charset="0"/>
+              </a:rPr>
+              <a:t> </a:t>
+            </a:r>
+            <a:r>
+              <a:rPr lang="en-US" altLang="en-US">
+                <a:latin typeface="Times New Roman" panose="02020603050405020304" charset="0"/>
+                <a:cs typeface="Times New Roman" panose="02020603050405020304" charset="0"/>
+              </a:rPr>
+              <a:t>валидация</a:t>
+            </a:r>
+            <a:r>
+              <a:rPr lang="en-US" altLang="ru-RU">
+                <a:latin typeface="Times New Roman" panose="02020603050405020304" charset="0"/>
+                <a:cs typeface="Times New Roman" panose="02020603050405020304" charset="0"/>
+              </a:rPr>
+              <a:t> </a:t>
+            </a:r>
+            <a:r>
+              <a:rPr lang="en-US" altLang="en-US">
+                <a:latin typeface="Times New Roman" panose="02020603050405020304" charset="0"/>
+                <a:cs typeface="Times New Roman" panose="02020603050405020304" charset="0"/>
+              </a:rPr>
+              <a:t>данных</a:t>
+            </a:r>
+            <a:r>
+              <a:rPr lang="en-US" altLang="ru-RU">
+                <a:latin typeface="Times New Roman" panose="02020603050405020304" charset="0"/>
+                <a:cs typeface="Times New Roman" panose="02020603050405020304" charset="0"/>
+              </a:rPr>
+              <a:t>.</a:t>
+            </a:r>
+            <a:endParaRPr lang="en-US" altLang="ru-RU">
+              <a:latin typeface="Times New Roman" panose="02020603050405020304" charset="0"/>
+              <a:cs typeface="Times New Roman" panose="02020603050405020304" charset="0"/>
+            </a:endParaRPr>
+          </a:p>
+          <a:p>
+            <a:pPr algn="just"/>
+            <a:endParaRPr lang="en-US" altLang="ru-RU">
+              <a:latin typeface="Times New Roman" panose="02020603050405020304" charset="0"/>
+              <a:cs typeface="Times New Roman" panose="02020603050405020304" charset="0"/>
+            </a:endParaRPr>
+          </a:p>
+          <a:p>
+            <a:pPr algn="just"/>
+            <a:endParaRPr lang="en-US" altLang="ru-RU">
+              <a:latin typeface="Times New Roman" panose="02020603050405020304" charset="0"/>
+              <a:cs typeface="Times New Roman" panose="02020603050405020304" charset="0"/>
+            </a:endParaRPr>
+          </a:p>
+          <a:p>
+            <a:pPr algn="just"/>
+            <a:endParaRPr lang="en-US" altLang="ru-RU">
+              <a:latin typeface="Times New Roman" panose="02020603050405020304" charset="0"/>
+              <a:cs typeface="Times New Roman" panose="02020603050405020304" charset="0"/>
+            </a:endParaRPr>
+          </a:p>
+        </p:txBody>
+      </p:sp>
     </p:spTree>
   </p:cSld>
   <p:clrMapOvr>
@@ -6935,7 +7599,7 @@
         </p:nvSpPr>
         <p:spPr>
           <a:xfrm>
-            <a:off x="838453" y="609854"/>
+            <a:off x="990853" y="600964"/>
             <a:ext cx="2197100" cy="299720"/>
           </a:xfrm>
           <a:prstGeom prst="rect">
@@ -7049,7 +7713,7 @@
         </p:blipFill>
         <p:spPr>
           <a:xfrm>
-            <a:off x="685800" y="1219200"/>
+            <a:off x="762000" y="1076325"/>
             <a:ext cx="4619625" cy="4705350"/>
           </a:xfrm>
           <a:prstGeom prst="rect">
